--- a/2019/notes-2019/assignment.pptx
+++ b/2019/notes-2019/assignment.pptx
@@ -241,7 +241,7 @@
           <a:p>
             <a:fld id="{C8769DE8-91D0-403F-8A53-9107721BCF10}" type="datetimeFigureOut">
               <a:rPr lang="en-US" smtClean="0"/>
-              <a:t>11/17/2018</a:t>
+              <a:t>9/1/2019</a:t>
             </a:fld>
             <a:endParaRPr lang="en-US"/>
           </a:p>
@@ -409,7 +409,7 @@
           <a:p>
             <a:fld id="{C8769DE8-91D0-403F-8A53-9107721BCF10}" type="datetimeFigureOut">
               <a:rPr lang="en-US" smtClean="0"/>
-              <a:t>11/17/2018</a:t>
+              <a:t>9/1/2019</a:t>
             </a:fld>
             <a:endParaRPr lang="en-US"/>
           </a:p>
@@ -587,7 +587,7 @@
           <a:p>
             <a:fld id="{C8769DE8-91D0-403F-8A53-9107721BCF10}" type="datetimeFigureOut">
               <a:rPr lang="en-US" smtClean="0"/>
-              <a:t>11/17/2018</a:t>
+              <a:t>9/1/2019</a:t>
             </a:fld>
             <a:endParaRPr lang="en-US"/>
           </a:p>
@@ -755,7 +755,7 @@
           <a:p>
             <a:fld id="{C8769DE8-91D0-403F-8A53-9107721BCF10}" type="datetimeFigureOut">
               <a:rPr lang="en-US" smtClean="0"/>
-              <a:t>11/17/2018</a:t>
+              <a:t>9/1/2019</a:t>
             </a:fld>
             <a:endParaRPr lang="en-US"/>
           </a:p>
@@ -1000,7 +1000,7 @@
           <a:p>
             <a:fld id="{C8769DE8-91D0-403F-8A53-9107721BCF10}" type="datetimeFigureOut">
               <a:rPr lang="en-US" smtClean="0"/>
-              <a:t>11/17/2018</a:t>
+              <a:t>9/1/2019</a:t>
             </a:fld>
             <a:endParaRPr lang="en-US"/>
           </a:p>
@@ -1229,7 +1229,7 @@
           <a:p>
             <a:fld id="{C8769DE8-91D0-403F-8A53-9107721BCF10}" type="datetimeFigureOut">
               <a:rPr lang="en-US" smtClean="0"/>
-              <a:t>11/17/2018</a:t>
+              <a:t>9/1/2019</a:t>
             </a:fld>
             <a:endParaRPr lang="en-US"/>
           </a:p>
@@ -1593,7 +1593,7 @@
           <a:p>
             <a:fld id="{C8769DE8-91D0-403F-8A53-9107721BCF10}" type="datetimeFigureOut">
               <a:rPr lang="en-US" smtClean="0"/>
-              <a:t>11/17/2018</a:t>
+              <a:t>9/1/2019</a:t>
             </a:fld>
             <a:endParaRPr lang="en-US"/>
           </a:p>
@@ -1710,7 +1710,7 @@
           <a:p>
             <a:fld id="{C8769DE8-91D0-403F-8A53-9107721BCF10}" type="datetimeFigureOut">
               <a:rPr lang="en-US" smtClean="0"/>
-              <a:t>11/17/2018</a:t>
+              <a:t>9/1/2019</a:t>
             </a:fld>
             <a:endParaRPr lang="en-US"/>
           </a:p>
@@ -1805,7 +1805,7 @@
           <a:p>
             <a:fld id="{C8769DE8-91D0-403F-8A53-9107721BCF10}" type="datetimeFigureOut">
               <a:rPr lang="en-US" smtClean="0"/>
-              <a:t>11/17/2018</a:t>
+              <a:t>9/1/2019</a:t>
             </a:fld>
             <a:endParaRPr lang="en-US"/>
           </a:p>
@@ -2080,7 +2080,7 @@
           <a:p>
             <a:fld id="{C8769DE8-91D0-403F-8A53-9107721BCF10}" type="datetimeFigureOut">
               <a:rPr lang="en-US" smtClean="0"/>
-              <a:t>11/17/2018</a:t>
+              <a:t>9/1/2019</a:t>
             </a:fld>
             <a:endParaRPr lang="en-US"/>
           </a:p>
@@ -2332,7 +2332,7 @@
           <a:p>
             <a:fld id="{C8769DE8-91D0-403F-8A53-9107721BCF10}" type="datetimeFigureOut">
               <a:rPr lang="en-US" smtClean="0"/>
-              <a:t>11/17/2018</a:t>
+              <a:t>9/1/2019</a:t>
             </a:fld>
             <a:endParaRPr lang="en-US"/>
           </a:p>
@@ -2543,7 +2543,7 @@
           <a:p>
             <a:fld id="{C8769DE8-91D0-403F-8A53-9107721BCF10}" type="datetimeFigureOut">
               <a:rPr lang="en-US" smtClean="0"/>
-              <a:t>11/17/2018</a:t>
+              <a:t>9/1/2019</a:t>
             </a:fld>
             <a:endParaRPr lang="en-US"/>
           </a:p>
@@ -2975,7 +2975,7 @@
             </a:br>
             <a:r>
               <a:rPr lang="en-US" dirty="0"/>
-              <a:t>Share your directory:</a:t>
+              <a:t>Name your directory as </a:t>
             </a:r>
             <a:br>
               <a:rPr lang="en-US" dirty="0"/>
@@ -2983,6 +2983,13 @@
             <a:r>
               <a:rPr lang="en-US" dirty="0"/>
               <a:t>FE8828-Yourname</a:t>
+            </a:r>
+            <a:br>
+              <a:rPr lang="en-US" dirty="0"/>
+            </a:br>
+            <a:r>
+              <a:rPr lang="en-US" dirty="0"/>
+              <a:t>Share your directory:</a:t>
             </a:r>
             <a:br>
               <a:rPr lang="en-US" dirty="0"/>
@@ -3017,7 +3024,7 @@
               <a:t>leafyoung@gmail.com</a:t>
             </a:r>
             <a:br>
-              <a:rPr lang="en-US"/>
+              <a:rPr lang="en-US" dirty="0"/>
             </a:br>
             <a:endParaRPr lang="en-US" dirty="0"/>
           </a:p>
